--- a/telegram.pptx
+++ b/telegram.pptx
@@ -105,6 +105,11 @@
       </a:defRPr>
     </a:lvl9pPr>
   </p:defaultTextStyle>
+  <p:extLst>
+    <p:ext uri="{EFAFB233-063F-42B5-8137-9DF3F51BA10A}">
+      <p15:sldGuideLst xmlns:p15="http://schemas.microsoft.com/office/powerpoint/2012/main"/>
+    </p:ext>
+  </p:extLst>
 </p:presentation>
 </file>
 
@@ -150,10 +155,9 @@
           </a:lstStyle>
           <a:p>
             <a:r>
-              <a:rPr lang="ko-KR" altLang="en-US" smtClean="0"/>
+              <a:rPr lang="ko-KR" altLang="en-US"/>
               <a:t>마스터 제목 스타일 편집</a:t>
             </a:r>
-            <a:endParaRPr lang="ko-KR" altLang="en-US"/>
           </a:p>
         </p:txBody>
       </p:sp>
@@ -215,10 +219,9 @@
           </a:lstStyle>
           <a:p>
             <a:r>
-              <a:rPr lang="ko-KR" altLang="en-US" smtClean="0"/>
+              <a:rPr lang="ko-KR" altLang="en-US"/>
               <a:t>클릭하여 마스터 부제목 스타일 편집</a:t>
             </a:r>
-            <a:endParaRPr lang="ko-KR" altLang="en-US"/>
           </a:p>
         </p:txBody>
       </p:sp>
@@ -239,7 +242,7 @@
           <a:p>
             <a:fld id="{1ACBBFB7-B442-46A8-8AAB-15D6DEE37AE8}" type="datetimeFigureOut">
               <a:rPr lang="ko-KR" altLang="en-US" smtClean="0"/>
-              <a:t>2020-01-17</a:t>
+              <a:t>2020-02-22</a:t>
             </a:fld>
             <a:endParaRPr lang="ko-KR" altLang="en-US"/>
           </a:p>
@@ -333,10 +336,9 @@
           <a:lstStyle/>
           <a:p>
             <a:r>
-              <a:rPr lang="ko-KR" altLang="en-US" smtClean="0"/>
+              <a:rPr lang="ko-KR" altLang="en-US"/>
               <a:t>마스터 제목 스타일 편집</a:t>
             </a:r>
-            <a:endParaRPr lang="ko-KR" altLang="en-US"/>
           </a:p>
         </p:txBody>
       </p:sp>
@@ -357,38 +359,37 @@
           <a:p>
             <a:pPr lvl="0"/>
             <a:r>
-              <a:rPr lang="ko-KR" altLang="en-US" smtClean="0"/>
+              <a:rPr lang="ko-KR" altLang="en-US"/>
               <a:t>마스터 텍스트 스타일 편집</a:t>
             </a:r>
           </a:p>
           <a:p>
             <a:pPr lvl="1"/>
             <a:r>
-              <a:rPr lang="ko-KR" altLang="en-US" smtClean="0"/>
+              <a:rPr lang="ko-KR" altLang="en-US"/>
               <a:t>둘째 수준</a:t>
             </a:r>
           </a:p>
           <a:p>
             <a:pPr lvl="2"/>
             <a:r>
-              <a:rPr lang="ko-KR" altLang="en-US" smtClean="0"/>
+              <a:rPr lang="ko-KR" altLang="en-US"/>
               <a:t>셋째 수준</a:t>
             </a:r>
           </a:p>
           <a:p>
             <a:pPr lvl="3"/>
             <a:r>
-              <a:rPr lang="ko-KR" altLang="en-US" smtClean="0"/>
+              <a:rPr lang="ko-KR" altLang="en-US"/>
               <a:t>넷째 수준</a:t>
             </a:r>
           </a:p>
           <a:p>
             <a:pPr lvl="4"/>
             <a:r>
-              <a:rPr lang="ko-KR" altLang="en-US" smtClean="0"/>
+              <a:rPr lang="ko-KR" altLang="en-US"/>
               <a:t>다섯째 수준</a:t>
             </a:r>
-            <a:endParaRPr lang="ko-KR" altLang="en-US"/>
           </a:p>
         </p:txBody>
       </p:sp>
@@ -409,7 +410,7 @@
           <a:p>
             <a:fld id="{1ACBBFB7-B442-46A8-8AAB-15D6DEE37AE8}" type="datetimeFigureOut">
               <a:rPr lang="ko-KR" altLang="en-US" smtClean="0"/>
-              <a:t>2020-01-17</a:t>
+              <a:t>2020-02-22</a:t>
             </a:fld>
             <a:endParaRPr lang="ko-KR" altLang="en-US"/>
           </a:p>
@@ -508,10 +509,9 @@
           <a:lstStyle/>
           <a:p>
             <a:r>
-              <a:rPr lang="ko-KR" altLang="en-US" smtClean="0"/>
+              <a:rPr lang="ko-KR" altLang="en-US"/>
               <a:t>마스터 제목 스타일 편집</a:t>
             </a:r>
-            <a:endParaRPr lang="ko-KR" altLang="en-US"/>
           </a:p>
         </p:txBody>
       </p:sp>
@@ -537,38 +537,37 @@
           <a:p>
             <a:pPr lvl="0"/>
             <a:r>
-              <a:rPr lang="ko-KR" altLang="en-US" smtClean="0"/>
+              <a:rPr lang="ko-KR" altLang="en-US"/>
               <a:t>마스터 텍스트 스타일 편집</a:t>
             </a:r>
           </a:p>
           <a:p>
             <a:pPr lvl="1"/>
             <a:r>
-              <a:rPr lang="ko-KR" altLang="en-US" smtClean="0"/>
+              <a:rPr lang="ko-KR" altLang="en-US"/>
               <a:t>둘째 수준</a:t>
             </a:r>
           </a:p>
           <a:p>
             <a:pPr lvl="2"/>
             <a:r>
-              <a:rPr lang="ko-KR" altLang="en-US" smtClean="0"/>
+              <a:rPr lang="ko-KR" altLang="en-US"/>
               <a:t>셋째 수준</a:t>
             </a:r>
           </a:p>
           <a:p>
             <a:pPr lvl="3"/>
             <a:r>
-              <a:rPr lang="ko-KR" altLang="en-US" smtClean="0"/>
+              <a:rPr lang="ko-KR" altLang="en-US"/>
               <a:t>넷째 수준</a:t>
             </a:r>
           </a:p>
           <a:p>
             <a:pPr lvl="4"/>
             <a:r>
-              <a:rPr lang="ko-KR" altLang="en-US" smtClean="0"/>
+              <a:rPr lang="ko-KR" altLang="en-US"/>
               <a:t>다섯째 수준</a:t>
             </a:r>
-            <a:endParaRPr lang="ko-KR" altLang="en-US"/>
           </a:p>
         </p:txBody>
       </p:sp>
@@ -589,7 +588,7 @@
           <a:p>
             <a:fld id="{1ACBBFB7-B442-46A8-8AAB-15D6DEE37AE8}" type="datetimeFigureOut">
               <a:rPr lang="ko-KR" altLang="en-US" smtClean="0"/>
-              <a:t>2020-01-17</a:t>
+              <a:t>2020-02-22</a:t>
             </a:fld>
             <a:endParaRPr lang="ko-KR" altLang="en-US"/>
           </a:p>
@@ -683,10 +682,9 @@
           <a:lstStyle/>
           <a:p>
             <a:r>
-              <a:rPr lang="ko-KR" altLang="en-US" smtClean="0"/>
+              <a:rPr lang="ko-KR" altLang="en-US"/>
               <a:t>마스터 제목 스타일 편집</a:t>
             </a:r>
-            <a:endParaRPr lang="ko-KR" altLang="en-US"/>
           </a:p>
         </p:txBody>
       </p:sp>
@@ -707,38 +705,37 @@
           <a:p>
             <a:pPr lvl="0"/>
             <a:r>
-              <a:rPr lang="ko-KR" altLang="en-US" smtClean="0"/>
+              <a:rPr lang="ko-KR" altLang="en-US"/>
               <a:t>마스터 텍스트 스타일 편집</a:t>
             </a:r>
           </a:p>
           <a:p>
             <a:pPr lvl="1"/>
             <a:r>
-              <a:rPr lang="ko-KR" altLang="en-US" smtClean="0"/>
+              <a:rPr lang="ko-KR" altLang="en-US"/>
               <a:t>둘째 수준</a:t>
             </a:r>
           </a:p>
           <a:p>
             <a:pPr lvl="2"/>
             <a:r>
-              <a:rPr lang="ko-KR" altLang="en-US" smtClean="0"/>
+              <a:rPr lang="ko-KR" altLang="en-US"/>
               <a:t>셋째 수준</a:t>
             </a:r>
           </a:p>
           <a:p>
             <a:pPr lvl="3"/>
             <a:r>
-              <a:rPr lang="ko-KR" altLang="en-US" smtClean="0"/>
+              <a:rPr lang="ko-KR" altLang="en-US"/>
               <a:t>넷째 수준</a:t>
             </a:r>
           </a:p>
           <a:p>
             <a:pPr lvl="4"/>
             <a:r>
-              <a:rPr lang="ko-KR" altLang="en-US" smtClean="0"/>
+              <a:rPr lang="ko-KR" altLang="en-US"/>
               <a:t>다섯째 수준</a:t>
             </a:r>
-            <a:endParaRPr lang="ko-KR" altLang="en-US"/>
           </a:p>
         </p:txBody>
       </p:sp>
@@ -759,7 +756,7 @@
           <a:p>
             <a:fld id="{1ACBBFB7-B442-46A8-8AAB-15D6DEE37AE8}" type="datetimeFigureOut">
               <a:rPr lang="ko-KR" altLang="en-US" smtClean="0"/>
-              <a:t>2020-01-17</a:t>
+              <a:t>2020-02-22</a:t>
             </a:fld>
             <a:endParaRPr lang="ko-KR" altLang="en-US"/>
           </a:p>
@@ -862,10 +859,9 @@
           </a:lstStyle>
           <a:p>
             <a:r>
-              <a:rPr lang="ko-KR" altLang="en-US" smtClean="0"/>
+              <a:rPr lang="ko-KR" altLang="en-US"/>
               <a:t>마스터 제목 스타일 편집</a:t>
             </a:r>
-            <a:endParaRPr lang="ko-KR" altLang="en-US"/>
           </a:p>
         </p:txBody>
       </p:sp>
@@ -982,7 +978,7 @@
           <a:p>
             <a:pPr lvl="0"/>
             <a:r>
-              <a:rPr lang="ko-KR" altLang="en-US" smtClean="0"/>
+              <a:rPr lang="ko-KR" altLang="en-US"/>
               <a:t>마스터 텍스트 스타일 편집</a:t>
             </a:r>
           </a:p>
@@ -1005,7 +1001,7 @@
           <a:p>
             <a:fld id="{1ACBBFB7-B442-46A8-8AAB-15D6DEE37AE8}" type="datetimeFigureOut">
               <a:rPr lang="ko-KR" altLang="en-US" smtClean="0"/>
-              <a:t>2020-01-17</a:t>
+              <a:t>2020-02-22</a:t>
             </a:fld>
             <a:endParaRPr lang="ko-KR" altLang="en-US"/>
           </a:p>
@@ -1099,10 +1095,9 @@
           <a:lstStyle/>
           <a:p>
             <a:r>
-              <a:rPr lang="ko-KR" altLang="en-US" smtClean="0"/>
+              <a:rPr lang="ko-KR" altLang="en-US"/>
               <a:t>마스터 제목 스타일 편집</a:t>
             </a:r>
-            <a:endParaRPr lang="ko-KR" altLang="en-US"/>
           </a:p>
         </p:txBody>
       </p:sp>
@@ -1128,38 +1123,37 @@
           <a:p>
             <a:pPr lvl="0"/>
             <a:r>
-              <a:rPr lang="ko-KR" altLang="en-US" smtClean="0"/>
+              <a:rPr lang="ko-KR" altLang="en-US"/>
               <a:t>마스터 텍스트 스타일 편집</a:t>
             </a:r>
           </a:p>
           <a:p>
             <a:pPr lvl="1"/>
             <a:r>
-              <a:rPr lang="ko-KR" altLang="en-US" smtClean="0"/>
+              <a:rPr lang="ko-KR" altLang="en-US"/>
               <a:t>둘째 수준</a:t>
             </a:r>
           </a:p>
           <a:p>
             <a:pPr lvl="2"/>
             <a:r>
-              <a:rPr lang="ko-KR" altLang="en-US" smtClean="0"/>
+              <a:rPr lang="ko-KR" altLang="en-US"/>
               <a:t>셋째 수준</a:t>
             </a:r>
           </a:p>
           <a:p>
             <a:pPr lvl="3"/>
             <a:r>
-              <a:rPr lang="ko-KR" altLang="en-US" smtClean="0"/>
+              <a:rPr lang="ko-KR" altLang="en-US"/>
               <a:t>넷째 수준</a:t>
             </a:r>
           </a:p>
           <a:p>
             <a:pPr lvl="4"/>
             <a:r>
-              <a:rPr lang="ko-KR" altLang="en-US" smtClean="0"/>
+              <a:rPr lang="ko-KR" altLang="en-US"/>
               <a:t>다섯째 수준</a:t>
             </a:r>
-            <a:endParaRPr lang="ko-KR" altLang="en-US"/>
           </a:p>
         </p:txBody>
       </p:sp>
@@ -1185,38 +1179,37 @@
           <a:p>
             <a:pPr lvl="0"/>
             <a:r>
-              <a:rPr lang="ko-KR" altLang="en-US" smtClean="0"/>
+              <a:rPr lang="ko-KR" altLang="en-US"/>
               <a:t>마스터 텍스트 스타일 편집</a:t>
             </a:r>
           </a:p>
           <a:p>
             <a:pPr lvl="1"/>
             <a:r>
-              <a:rPr lang="ko-KR" altLang="en-US" smtClean="0"/>
+              <a:rPr lang="ko-KR" altLang="en-US"/>
               <a:t>둘째 수준</a:t>
             </a:r>
           </a:p>
           <a:p>
             <a:pPr lvl="2"/>
             <a:r>
-              <a:rPr lang="ko-KR" altLang="en-US" smtClean="0"/>
+              <a:rPr lang="ko-KR" altLang="en-US"/>
               <a:t>셋째 수준</a:t>
             </a:r>
           </a:p>
           <a:p>
             <a:pPr lvl="3"/>
             <a:r>
-              <a:rPr lang="ko-KR" altLang="en-US" smtClean="0"/>
+              <a:rPr lang="ko-KR" altLang="en-US"/>
               <a:t>넷째 수준</a:t>
             </a:r>
           </a:p>
           <a:p>
             <a:pPr lvl="4"/>
             <a:r>
-              <a:rPr lang="ko-KR" altLang="en-US" smtClean="0"/>
+              <a:rPr lang="ko-KR" altLang="en-US"/>
               <a:t>다섯째 수준</a:t>
             </a:r>
-            <a:endParaRPr lang="ko-KR" altLang="en-US"/>
           </a:p>
         </p:txBody>
       </p:sp>
@@ -1237,7 +1230,7 @@
           <a:p>
             <a:fld id="{1ACBBFB7-B442-46A8-8AAB-15D6DEE37AE8}" type="datetimeFigureOut">
               <a:rPr lang="ko-KR" altLang="en-US" smtClean="0"/>
-              <a:t>2020-01-17</a:t>
+              <a:t>2020-02-22</a:t>
             </a:fld>
             <a:endParaRPr lang="ko-KR" altLang="en-US"/>
           </a:p>
@@ -1336,10 +1329,9 @@
           <a:lstStyle/>
           <a:p>
             <a:r>
-              <a:rPr lang="ko-KR" altLang="en-US" smtClean="0"/>
+              <a:rPr lang="ko-KR" altLang="en-US"/>
               <a:t>마스터 제목 스타일 편집</a:t>
             </a:r>
-            <a:endParaRPr lang="ko-KR" altLang="en-US"/>
           </a:p>
         </p:txBody>
       </p:sp>
@@ -1402,7 +1394,7 @@
           <a:p>
             <a:pPr lvl="0"/>
             <a:r>
-              <a:rPr lang="ko-KR" altLang="en-US" smtClean="0"/>
+              <a:rPr lang="ko-KR" altLang="en-US"/>
               <a:t>마스터 텍스트 스타일 편집</a:t>
             </a:r>
           </a:p>
@@ -1430,38 +1422,37 @@
           <a:p>
             <a:pPr lvl="0"/>
             <a:r>
-              <a:rPr lang="ko-KR" altLang="en-US" smtClean="0"/>
+              <a:rPr lang="ko-KR" altLang="en-US"/>
               <a:t>마스터 텍스트 스타일 편집</a:t>
             </a:r>
           </a:p>
           <a:p>
             <a:pPr lvl="1"/>
             <a:r>
-              <a:rPr lang="ko-KR" altLang="en-US" smtClean="0"/>
+              <a:rPr lang="ko-KR" altLang="en-US"/>
               <a:t>둘째 수준</a:t>
             </a:r>
           </a:p>
           <a:p>
             <a:pPr lvl="2"/>
             <a:r>
-              <a:rPr lang="ko-KR" altLang="en-US" smtClean="0"/>
+              <a:rPr lang="ko-KR" altLang="en-US"/>
               <a:t>셋째 수준</a:t>
             </a:r>
           </a:p>
           <a:p>
             <a:pPr lvl="3"/>
             <a:r>
-              <a:rPr lang="ko-KR" altLang="en-US" smtClean="0"/>
+              <a:rPr lang="ko-KR" altLang="en-US"/>
               <a:t>넷째 수준</a:t>
             </a:r>
           </a:p>
           <a:p>
             <a:pPr lvl="4"/>
             <a:r>
-              <a:rPr lang="ko-KR" altLang="en-US" smtClean="0"/>
+              <a:rPr lang="ko-KR" altLang="en-US"/>
               <a:t>다섯째 수준</a:t>
             </a:r>
-            <a:endParaRPr lang="ko-KR" altLang="en-US"/>
           </a:p>
         </p:txBody>
       </p:sp>
@@ -1524,7 +1515,7 @@
           <a:p>
             <a:pPr lvl="0"/>
             <a:r>
-              <a:rPr lang="ko-KR" altLang="en-US" smtClean="0"/>
+              <a:rPr lang="ko-KR" altLang="en-US"/>
               <a:t>마스터 텍스트 스타일 편집</a:t>
             </a:r>
           </a:p>
@@ -1552,38 +1543,37 @@
           <a:p>
             <a:pPr lvl="0"/>
             <a:r>
-              <a:rPr lang="ko-KR" altLang="en-US" smtClean="0"/>
+              <a:rPr lang="ko-KR" altLang="en-US"/>
               <a:t>마스터 텍스트 스타일 편집</a:t>
             </a:r>
           </a:p>
           <a:p>
             <a:pPr lvl="1"/>
             <a:r>
-              <a:rPr lang="ko-KR" altLang="en-US" smtClean="0"/>
+              <a:rPr lang="ko-KR" altLang="en-US"/>
               <a:t>둘째 수준</a:t>
             </a:r>
           </a:p>
           <a:p>
             <a:pPr lvl="2"/>
             <a:r>
-              <a:rPr lang="ko-KR" altLang="en-US" smtClean="0"/>
+              <a:rPr lang="ko-KR" altLang="en-US"/>
               <a:t>셋째 수준</a:t>
             </a:r>
           </a:p>
           <a:p>
             <a:pPr lvl="3"/>
             <a:r>
-              <a:rPr lang="ko-KR" altLang="en-US" smtClean="0"/>
+              <a:rPr lang="ko-KR" altLang="en-US"/>
               <a:t>넷째 수준</a:t>
             </a:r>
           </a:p>
           <a:p>
             <a:pPr lvl="4"/>
             <a:r>
-              <a:rPr lang="ko-KR" altLang="en-US" smtClean="0"/>
+              <a:rPr lang="ko-KR" altLang="en-US"/>
               <a:t>다섯째 수준</a:t>
             </a:r>
-            <a:endParaRPr lang="ko-KR" altLang="en-US"/>
           </a:p>
         </p:txBody>
       </p:sp>
@@ -1604,7 +1594,7 @@
           <a:p>
             <a:fld id="{1ACBBFB7-B442-46A8-8AAB-15D6DEE37AE8}" type="datetimeFigureOut">
               <a:rPr lang="ko-KR" altLang="en-US" smtClean="0"/>
-              <a:t>2020-01-17</a:t>
+              <a:t>2020-02-22</a:t>
             </a:fld>
             <a:endParaRPr lang="ko-KR" altLang="en-US"/>
           </a:p>
@@ -1698,10 +1688,9 @@
           <a:lstStyle/>
           <a:p>
             <a:r>
-              <a:rPr lang="ko-KR" altLang="en-US" smtClean="0"/>
+              <a:rPr lang="ko-KR" altLang="en-US"/>
               <a:t>마스터 제목 스타일 편집</a:t>
             </a:r>
-            <a:endParaRPr lang="ko-KR" altLang="en-US"/>
           </a:p>
         </p:txBody>
       </p:sp>
@@ -1722,7 +1711,7 @@
           <a:p>
             <a:fld id="{1ACBBFB7-B442-46A8-8AAB-15D6DEE37AE8}" type="datetimeFigureOut">
               <a:rPr lang="ko-KR" altLang="en-US" smtClean="0"/>
-              <a:t>2020-01-17</a:t>
+              <a:t>2020-02-22</a:t>
             </a:fld>
             <a:endParaRPr lang="ko-KR" altLang="en-US"/>
           </a:p>
@@ -1817,7 +1806,7 @@
           <a:p>
             <a:fld id="{1ACBBFB7-B442-46A8-8AAB-15D6DEE37AE8}" type="datetimeFigureOut">
               <a:rPr lang="ko-KR" altLang="en-US" smtClean="0"/>
-              <a:t>2020-01-17</a:t>
+              <a:t>2020-02-22</a:t>
             </a:fld>
             <a:endParaRPr lang="ko-KR" altLang="en-US"/>
           </a:p>
@@ -1920,10 +1909,9 @@
           </a:lstStyle>
           <a:p>
             <a:r>
-              <a:rPr lang="ko-KR" altLang="en-US" smtClean="0"/>
+              <a:rPr lang="ko-KR" altLang="en-US"/>
               <a:t>마스터 제목 스타일 편집</a:t>
             </a:r>
-            <a:endParaRPr lang="ko-KR" altLang="en-US"/>
           </a:p>
         </p:txBody>
       </p:sp>
@@ -1977,38 +1965,37 @@
           <a:p>
             <a:pPr lvl="0"/>
             <a:r>
-              <a:rPr lang="ko-KR" altLang="en-US" smtClean="0"/>
+              <a:rPr lang="ko-KR" altLang="en-US"/>
               <a:t>마스터 텍스트 스타일 편집</a:t>
             </a:r>
           </a:p>
           <a:p>
             <a:pPr lvl="1"/>
             <a:r>
-              <a:rPr lang="ko-KR" altLang="en-US" smtClean="0"/>
+              <a:rPr lang="ko-KR" altLang="en-US"/>
               <a:t>둘째 수준</a:t>
             </a:r>
           </a:p>
           <a:p>
             <a:pPr lvl="2"/>
             <a:r>
-              <a:rPr lang="ko-KR" altLang="en-US" smtClean="0"/>
+              <a:rPr lang="ko-KR" altLang="en-US"/>
               <a:t>셋째 수준</a:t>
             </a:r>
           </a:p>
           <a:p>
             <a:pPr lvl="3"/>
             <a:r>
-              <a:rPr lang="ko-KR" altLang="en-US" smtClean="0"/>
+              <a:rPr lang="ko-KR" altLang="en-US"/>
               <a:t>넷째 수준</a:t>
             </a:r>
           </a:p>
           <a:p>
             <a:pPr lvl="4"/>
             <a:r>
-              <a:rPr lang="ko-KR" altLang="en-US" smtClean="0"/>
+              <a:rPr lang="ko-KR" altLang="en-US"/>
               <a:t>다섯째 수준</a:t>
             </a:r>
-            <a:endParaRPr lang="ko-KR" altLang="en-US"/>
           </a:p>
         </p:txBody>
       </p:sp>
@@ -2071,7 +2058,7 @@
           <a:p>
             <a:pPr lvl="0"/>
             <a:r>
-              <a:rPr lang="ko-KR" altLang="en-US" smtClean="0"/>
+              <a:rPr lang="ko-KR" altLang="en-US"/>
               <a:t>마스터 텍스트 스타일 편집</a:t>
             </a:r>
           </a:p>
@@ -2094,7 +2081,7 @@
           <a:p>
             <a:fld id="{1ACBBFB7-B442-46A8-8AAB-15D6DEE37AE8}" type="datetimeFigureOut">
               <a:rPr lang="ko-KR" altLang="en-US" smtClean="0"/>
-              <a:t>2020-01-17</a:t>
+              <a:t>2020-02-22</a:t>
             </a:fld>
             <a:endParaRPr lang="ko-KR" altLang="en-US"/>
           </a:p>
@@ -2197,10 +2184,9 @@
           </a:lstStyle>
           <a:p>
             <a:r>
-              <a:rPr lang="ko-KR" altLang="en-US" smtClean="0"/>
+              <a:rPr lang="ko-KR" altLang="en-US"/>
               <a:t>마스터 제목 스타일 편집</a:t>
             </a:r>
-            <a:endParaRPr lang="ko-KR" altLang="en-US"/>
           </a:p>
         </p:txBody>
       </p:sp>
@@ -2324,7 +2310,7 @@
           <a:p>
             <a:pPr lvl="0"/>
             <a:r>
-              <a:rPr lang="ko-KR" altLang="en-US" smtClean="0"/>
+              <a:rPr lang="ko-KR" altLang="en-US"/>
               <a:t>마스터 텍스트 스타일 편집</a:t>
             </a:r>
           </a:p>
@@ -2347,7 +2333,7 @@
           <a:p>
             <a:fld id="{1ACBBFB7-B442-46A8-8AAB-15D6DEE37AE8}" type="datetimeFigureOut">
               <a:rPr lang="ko-KR" altLang="en-US" smtClean="0"/>
-              <a:t>2020-01-17</a:t>
+              <a:t>2020-02-22</a:t>
             </a:fld>
             <a:endParaRPr lang="ko-KR" altLang="en-US"/>
           </a:p>
@@ -2456,10 +2442,9 @@
           <a:lstStyle/>
           <a:p>
             <a:r>
-              <a:rPr lang="ko-KR" altLang="en-US" smtClean="0"/>
+              <a:rPr lang="ko-KR" altLang="en-US"/>
               <a:t>마스터 제목 스타일 편집</a:t>
             </a:r>
-            <a:endParaRPr lang="ko-KR" altLang="en-US"/>
           </a:p>
         </p:txBody>
       </p:sp>
@@ -2490,38 +2475,37 @@
           <a:p>
             <a:pPr lvl="0"/>
             <a:r>
-              <a:rPr lang="ko-KR" altLang="en-US" smtClean="0"/>
+              <a:rPr lang="ko-KR" altLang="en-US"/>
               <a:t>마스터 텍스트 스타일 편집</a:t>
             </a:r>
           </a:p>
           <a:p>
             <a:pPr lvl="1"/>
             <a:r>
-              <a:rPr lang="ko-KR" altLang="en-US" smtClean="0"/>
+              <a:rPr lang="ko-KR" altLang="en-US"/>
               <a:t>둘째 수준</a:t>
             </a:r>
           </a:p>
           <a:p>
             <a:pPr lvl="2"/>
             <a:r>
-              <a:rPr lang="ko-KR" altLang="en-US" smtClean="0"/>
+              <a:rPr lang="ko-KR" altLang="en-US"/>
               <a:t>셋째 수준</a:t>
             </a:r>
           </a:p>
           <a:p>
             <a:pPr lvl="3"/>
             <a:r>
-              <a:rPr lang="ko-KR" altLang="en-US" smtClean="0"/>
+              <a:rPr lang="ko-KR" altLang="en-US"/>
               <a:t>넷째 수준</a:t>
             </a:r>
           </a:p>
           <a:p>
             <a:pPr lvl="4"/>
             <a:r>
-              <a:rPr lang="ko-KR" altLang="en-US" smtClean="0"/>
+              <a:rPr lang="ko-KR" altLang="en-US"/>
               <a:t>다섯째 수준</a:t>
             </a:r>
-            <a:endParaRPr lang="ko-KR" altLang="en-US"/>
           </a:p>
         </p:txBody>
       </p:sp>
@@ -2560,7 +2544,7 @@
           <a:p>
             <a:fld id="{1ACBBFB7-B442-46A8-8AAB-15D6DEE37AE8}" type="datetimeFigureOut">
               <a:rPr lang="ko-KR" altLang="en-US" smtClean="0"/>
-              <a:t>2020-01-17</a:t>
+              <a:t>2020-02-22</a:t>
             </a:fld>
             <a:endParaRPr lang="ko-KR" altLang="en-US"/>
           </a:p>
@@ -3016,14 +3000,14 @@
             <a:p>
               <a:pPr algn="ctr"/>
               <a:r>
-                <a:rPr lang="en-US" altLang="ko-KR" dirty="0" smtClean="0"/>
+                <a:rPr lang="en-US" altLang="ko-KR" dirty="0"/>
                 <a:t>Flask</a:t>
               </a:r>
               <a:br>
-                <a:rPr lang="en-US" altLang="ko-KR" dirty="0" smtClean="0"/>
+                <a:rPr lang="en-US" altLang="ko-KR" dirty="0"/>
               </a:br>
               <a:r>
-                <a:rPr lang="en-US" altLang="ko-KR" dirty="0" smtClean="0"/>
+                <a:rPr lang="en-US" altLang="ko-KR" dirty="0"/>
                 <a:t>Local Server</a:t>
               </a:r>
             </a:p>
@@ -3066,14 +3050,14 @@
             <a:p>
               <a:pPr algn="ctr"/>
               <a:r>
-                <a:rPr lang="en-US" altLang="ko-KR" dirty="0" smtClean="0"/>
+                <a:rPr lang="en-US" altLang="ko-KR" dirty="0"/>
                 <a:t>Telegram</a:t>
               </a:r>
               <a:br>
-                <a:rPr lang="en-US" altLang="ko-KR" dirty="0" smtClean="0"/>
+                <a:rPr lang="en-US" altLang="ko-KR" dirty="0"/>
               </a:br>
               <a:r>
-                <a:rPr lang="en-US" altLang="ko-KR" dirty="0" err="1" smtClean="0"/>
+                <a:rPr lang="en-US" altLang="ko-KR" dirty="0" err="1"/>
                 <a:t>ChatBot</a:t>
               </a:r>
               <a:endParaRPr lang="ko-KR" altLang="en-US" dirty="0"/>
@@ -3139,17 +3123,17 @@
             <a:lstStyle/>
             <a:p>
               <a:r>
-                <a:rPr lang="en-US" altLang="ko-KR" dirty="0" smtClean="0"/>
+                <a:rPr lang="en-US" altLang="ko-KR" dirty="0"/>
                 <a:t>GET</a:t>
               </a:r>
             </a:p>
             <a:p>
               <a:r>
-                <a:rPr lang="en-US" altLang="ko-KR" dirty="0" smtClean="0"/>
+                <a:rPr lang="en-US" altLang="ko-KR" dirty="0"/>
                 <a:t>https://api.telegram.org/bot</a:t>
               </a:r>
               <a:r>
-                <a:rPr lang="en-US" altLang="ko-KR" dirty="0" smtClean="0">
+                <a:rPr lang="en-US" altLang="ko-KR" dirty="0">
                   <a:solidFill>
                     <a:srgbClr val="FFC000"/>
                   </a:solidFill>
@@ -3157,11 +3141,11 @@
                 <a:t>&lt;token&gt;</a:t>
               </a:r>
               <a:r>
-                <a:rPr lang="en-US" altLang="ko-KR" dirty="0" smtClean="0"/>
+                <a:rPr lang="en-US" altLang="ko-KR" dirty="0"/>
                 <a:t>/</a:t>
               </a:r>
               <a:r>
-                <a:rPr lang="en-US" altLang="ko-KR" dirty="0" smtClean="0">
+                <a:rPr lang="en-US" altLang="ko-KR" dirty="0">
                   <a:solidFill>
                     <a:srgbClr val="00B050"/>
                   </a:solidFill>
@@ -3169,11 +3153,11 @@
                 <a:t>setWebhook</a:t>
               </a:r>
               <a:r>
-                <a:rPr lang="en-US" altLang="ko-KR" dirty="0" smtClean="0"/>
+                <a:rPr lang="en-US" altLang="ko-KR" dirty="0"/>
                 <a:t>?url=</a:t>
               </a:r>
               <a:r>
-                <a:rPr lang="en-US" altLang="ko-KR" dirty="0" smtClean="0">
+                <a:rPr lang="en-US" altLang="ko-KR" dirty="0">
                   <a:solidFill>
                     <a:srgbClr val="FF0000"/>
                   </a:solidFill>
@@ -3181,7 +3165,7 @@
                 <a:t>ngrok</a:t>
               </a:r>
               <a:r>
-                <a:rPr lang="ko-KR" altLang="en-US" dirty="0" err="1" smtClean="0">
+                <a:rPr lang="ko-KR" altLang="en-US" dirty="0" err="1">
                   <a:solidFill>
                     <a:srgbClr val="FF0000"/>
                   </a:solidFill>
@@ -3189,7 +3173,7 @@
                 <a:t>프록시서버</a:t>
               </a:r>
               <a:r>
-                <a:rPr lang="en-US" altLang="ko-KR" dirty="0" smtClean="0">
+                <a:rPr lang="en-US" altLang="ko-KR" dirty="0">
                   <a:solidFill>
                     <a:srgbClr val="FF0000"/>
                   </a:solidFill>
@@ -3197,7 +3181,7 @@
                 <a:t>Forwarding</a:t>
               </a:r>
               <a:r>
-                <a:rPr lang="ko-KR" altLang="en-US" dirty="0" smtClean="0">
+                <a:rPr lang="ko-KR" altLang="en-US" dirty="0">
                   <a:solidFill>
                     <a:srgbClr val="FF0000"/>
                   </a:solidFill>
@@ -3205,18 +3189,18 @@
                 <a:t>주소</a:t>
               </a:r>
               <a:r>
-                <a:rPr lang="en-US" altLang="ko-KR" dirty="0" smtClean="0"/>
+                <a:rPr lang="en-US" altLang="ko-KR" dirty="0"/>
                 <a:t>/</a:t>
               </a:r>
               <a:r>
-                <a:rPr lang="ko-KR" altLang="en-US" dirty="0" err="1" smtClean="0">
+                <a:rPr lang="ko-KR" altLang="en-US" dirty="0" err="1">
                   <a:solidFill>
                     <a:srgbClr val="0070C0"/>
                   </a:solidFill>
                 </a:rPr>
                 <a:t>엔드포인트</a:t>
               </a:r>
-              <a:endParaRPr lang="ko-KR" altLang="en-US" dirty="0" smtClean="0">
+              <a:endParaRPr lang="ko-KR" altLang="en-US" dirty="0">
                 <a:solidFill>
                   <a:srgbClr val="0070C0"/>
                 </a:solidFill>
@@ -3283,22 +3267,22 @@
             <a:lstStyle/>
             <a:p>
               <a:r>
-                <a:rPr lang="en-US" altLang="ko-KR" dirty="0" smtClean="0"/>
+                <a:rPr lang="en-US" altLang="ko-KR" dirty="0"/>
                 <a:t>POST</a:t>
               </a:r>
-              <a:endParaRPr lang="ko-KR" altLang="en-US" dirty="0" smtClean="0"/>
+              <a:endParaRPr lang="ko-KR" altLang="en-US" dirty="0"/>
             </a:p>
             <a:p>
               <a:r>
-                <a:rPr lang="en-US" altLang="ko-KR" dirty="0" smtClean="0"/>
+                <a:rPr lang="en-US" altLang="ko-KR" dirty="0"/>
                 <a:t>Request(</a:t>
               </a:r>
               <a:r>
-                <a:rPr lang="ko-KR" altLang="en-US" dirty="0" smtClean="0"/>
+                <a:rPr lang="ko-KR" altLang="en-US" dirty="0"/>
                 <a:t>상태변화</a:t>
               </a:r>
               <a:r>
-                <a:rPr lang="en-US" altLang="ko-KR" dirty="0" smtClean="0"/>
+                <a:rPr lang="en-US" altLang="ko-KR" dirty="0"/>
                 <a:t>)</a:t>
               </a:r>
             </a:p>
@@ -3341,7 +3325,7 @@
             <a:p>
               <a:pPr algn="ctr"/>
               <a:r>
-                <a:rPr lang="en-US" altLang="ko-KR" dirty="0" err="1" smtClean="0"/>
+                <a:rPr lang="en-US" altLang="ko-KR" dirty="0" err="1"/>
                 <a:t>ngrok</a:t>
               </a:r>
               <a:endParaRPr lang="ko-KR" altLang="en-US" dirty="0"/>
@@ -3407,11 +3391,11 @@
             <a:lstStyle/>
             <a:p>
               <a:r>
-                <a:rPr lang="en-US" altLang="ko-KR" dirty="0" smtClean="0"/>
+                <a:rPr lang="en-US" altLang="ko-KR" dirty="0"/>
                 <a:t>https://api.telegram.org/bot</a:t>
               </a:r>
               <a:r>
-                <a:rPr lang="en-US" altLang="ko-KR" dirty="0" smtClean="0">
+                <a:rPr lang="en-US" altLang="ko-KR" dirty="0">
                   <a:solidFill>
                     <a:srgbClr val="FFC000"/>
                   </a:solidFill>
@@ -3419,11 +3403,11 @@
                 <a:t>&lt;token&gt;</a:t>
               </a:r>
               <a:r>
-                <a:rPr lang="en-US" altLang="ko-KR" dirty="0" smtClean="0"/>
+                <a:rPr lang="en-US" altLang="ko-KR" dirty="0"/>
                 <a:t>/ </a:t>
               </a:r>
               <a:r>
-                <a:rPr lang="en-US" altLang="ko-KR" dirty="0" err="1" smtClean="0">
+                <a:rPr lang="en-US" altLang="ko-KR" dirty="0" err="1">
                   <a:solidFill>
                     <a:srgbClr val="00B050"/>
                   </a:solidFill>
@@ -3431,15 +3415,15 @@
                 <a:t>setWebhook</a:t>
               </a:r>
               <a:r>
-                <a:rPr lang="en-US" altLang="ko-KR" dirty="0" err="1" smtClean="0"/>
+                <a:rPr lang="en-US" altLang="ko-KR" dirty="0" err="1"/>
                 <a:t>?url</a:t>
               </a:r>
               <a:r>
-                <a:rPr lang="en-US" altLang="ko-KR" dirty="0" smtClean="0"/>
+                <a:rPr lang="en-US" altLang="ko-KR" dirty="0"/>
                 <a:t>=</a:t>
               </a:r>
               <a:r>
-                <a:rPr lang="en-US" altLang="ko-KR" dirty="0" err="1" smtClean="0">
+                <a:rPr lang="en-US" altLang="ko-KR" dirty="0" err="1">
                   <a:solidFill>
                     <a:srgbClr val="FF0000"/>
                   </a:solidFill>
@@ -3447,7 +3431,7 @@
                 <a:t>ngrok</a:t>
               </a:r>
               <a:r>
-                <a:rPr lang="ko-KR" altLang="en-US" dirty="0" err="1" smtClean="0">
+                <a:rPr lang="ko-KR" altLang="en-US" dirty="0" err="1">
                   <a:solidFill>
                     <a:srgbClr val="FF0000"/>
                   </a:solidFill>
@@ -3455,7 +3439,7 @@
                 <a:t>프록시서버</a:t>
               </a:r>
               <a:r>
-                <a:rPr lang="en-US" altLang="ko-KR" dirty="0" smtClean="0">
+                <a:rPr lang="en-US" altLang="ko-KR" dirty="0">
                   <a:solidFill>
                     <a:srgbClr val="FF0000"/>
                   </a:solidFill>
@@ -3463,7 +3447,7 @@
                 <a:t>Forwarding</a:t>
               </a:r>
               <a:r>
-                <a:rPr lang="ko-KR" altLang="en-US" dirty="0" smtClean="0">
+                <a:rPr lang="ko-KR" altLang="en-US" dirty="0">
                   <a:solidFill>
                     <a:srgbClr val="FF0000"/>
                   </a:solidFill>
@@ -3471,11 +3455,11 @@
                 <a:t>주소</a:t>
               </a:r>
               <a:r>
-                <a:rPr lang="en-US" altLang="ko-KR" dirty="0" smtClean="0"/>
+                <a:rPr lang="en-US" altLang="ko-KR" dirty="0"/>
                 <a:t>/</a:t>
               </a:r>
               <a:r>
-                <a:rPr lang="ko-KR" altLang="en-US" dirty="0" err="1" smtClean="0">
+                <a:rPr lang="ko-KR" altLang="en-US" dirty="0" err="1">
                   <a:solidFill>
                     <a:srgbClr val="0070C0"/>
                   </a:solidFill>
@@ -3513,11 +3497,11 @@
             <a:lstStyle/>
             <a:p>
               <a:r>
-                <a:rPr lang="en-US" altLang="ko-KR" dirty="0" smtClean="0"/>
+                <a:rPr lang="en-US" altLang="ko-KR" dirty="0"/>
                 <a:t>localhost:5000/</a:t>
               </a:r>
               <a:r>
-                <a:rPr lang="ko-KR" altLang="en-US" dirty="0" err="1" smtClean="0">
+                <a:rPr lang="ko-KR" altLang="en-US" dirty="0" err="1">
                   <a:solidFill>
                     <a:srgbClr val="0070C0"/>
                   </a:solidFill>
@@ -3614,17 +3598,17 @@
             <a:p>
               <a:pPr algn="ctr"/>
               <a:r>
-                <a:rPr lang="en-US" altLang="ko-KR" dirty="0" smtClean="0"/>
+                <a:rPr lang="en-US" altLang="ko-KR" dirty="0"/>
                 <a:t>Flask</a:t>
               </a:r>
               <a:br>
-                <a:rPr lang="en-US" altLang="ko-KR" dirty="0" smtClean="0"/>
+                <a:rPr lang="en-US" altLang="ko-KR" dirty="0"/>
               </a:br>
               <a:r>
-                <a:rPr lang="en-US" altLang="ko-KR" dirty="0" err="1" smtClean="0"/>
+                <a:rPr lang="en-US" altLang="ko-KR" dirty="0" err="1"/>
                 <a:t>PythonAnywhere</a:t>
               </a:r>
-              <a:endParaRPr lang="en-US" altLang="ko-KR" dirty="0" smtClean="0"/>
+              <a:endParaRPr lang="en-US" altLang="ko-KR" dirty="0"/>
             </a:p>
           </p:txBody>
         </p:sp>
@@ -3665,14 +3649,14 @@
             <a:p>
               <a:pPr algn="ctr"/>
               <a:r>
-                <a:rPr lang="en-US" altLang="ko-KR" dirty="0" smtClean="0"/>
+                <a:rPr lang="en-US" altLang="ko-KR" dirty="0"/>
                 <a:t>Telegram</a:t>
               </a:r>
               <a:br>
-                <a:rPr lang="en-US" altLang="ko-KR" dirty="0" smtClean="0"/>
+                <a:rPr lang="en-US" altLang="ko-KR" dirty="0"/>
               </a:br>
               <a:r>
-                <a:rPr lang="en-US" altLang="ko-KR" dirty="0" err="1" smtClean="0"/>
+                <a:rPr lang="en-US" altLang="ko-KR" dirty="0" err="1"/>
                 <a:t>ChatBot</a:t>
               </a:r>
               <a:endParaRPr lang="ko-KR" altLang="en-US" dirty="0"/>
@@ -3735,17 +3719,17 @@
             <a:lstStyle/>
             <a:p>
               <a:r>
-                <a:rPr lang="en-US" altLang="ko-KR" dirty="0" smtClean="0"/>
+                <a:rPr lang="en-US" altLang="ko-KR" dirty="0"/>
                 <a:t>GET</a:t>
               </a:r>
             </a:p>
             <a:p>
               <a:r>
-                <a:rPr lang="en-US" altLang="ko-KR" dirty="0" smtClean="0"/>
+                <a:rPr lang="en-US" altLang="ko-KR" dirty="0"/>
                 <a:t>https://api.telegram.org/bot</a:t>
               </a:r>
               <a:r>
-                <a:rPr lang="en-US" altLang="ko-KR" dirty="0" smtClean="0">
+                <a:rPr lang="en-US" altLang="ko-KR" dirty="0">
                   <a:solidFill>
                     <a:srgbClr val="FFC000"/>
                   </a:solidFill>
@@ -3753,11 +3737,11 @@
                 <a:t>&lt;token&gt;</a:t>
               </a:r>
               <a:r>
-                <a:rPr lang="en-US" altLang="ko-KR" dirty="0" smtClean="0"/>
+                <a:rPr lang="en-US" altLang="ko-KR" dirty="0"/>
                 <a:t>/</a:t>
               </a:r>
               <a:r>
-                <a:rPr lang="en-US" altLang="ko-KR" dirty="0" smtClean="0">
+                <a:rPr lang="en-US" altLang="ko-KR" dirty="0">
                   <a:solidFill>
                     <a:srgbClr val="00B050"/>
                   </a:solidFill>
@@ -3765,11 +3749,11 @@
                 <a:t>setWebhook</a:t>
               </a:r>
               <a:r>
-                <a:rPr lang="en-US" altLang="ko-KR" dirty="0" smtClean="0"/>
+                <a:rPr lang="en-US" altLang="ko-KR" dirty="0"/>
                 <a:t>?url=</a:t>
               </a:r>
               <a:r>
-                <a:rPr lang="en-US" altLang="ko-KR" dirty="0" smtClean="0">
+                <a:rPr lang="en-US" altLang="ko-KR" dirty="0">
                   <a:solidFill>
                     <a:srgbClr val="FF0000"/>
                   </a:solidFill>
@@ -3777,7 +3761,7 @@
                 <a:t>PythonAnywhere</a:t>
               </a:r>
               <a:r>
-                <a:rPr lang="ko-KR" altLang="en-US" dirty="0" smtClean="0">
+                <a:rPr lang="ko-KR" altLang="en-US" dirty="0">
                   <a:solidFill>
                     <a:srgbClr val="FF0000"/>
                   </a:solidFill>
@@ -3785,18 +3769,18 @@
                 <a:t>주소</a:t>
               </a:r>
               <a:r>
-                <a:rPr lang="en-US" altLang="ko-KR" dirty="0" smtClean="0"/>
+                <a:rPr lang="en-US" altLang="ko-KR" dirty="0"/>
                 <a:t>/</a:t>
               </a:r>
               <a:r>
-                <a:rPr lang="ko-KR" altLang="en-US" dirty="0" err="1" smtClean="0">
+                <a:rPr lang="ko-KR" altLang="en-US" dirty="0" err="1">
                   <a:solidFill>
                     <a:srgbClr val="0070C0"/>
                   </a:solidFill>
                 </a:rPr>
                 <a:t>엔드포인트</a:t>
               </a:r>
-              <a:endParaRPr lang="ko-KR" altLang="en-US" dirty="0" smtClean="0">
+              <a:endParaRPr lang="ko-KR" altLang="en-US" dirty="0">
                 <a:solidFill>
                   <a:srgbClr val="0070C0"/>
                 </a:solidFill>
